--- a/natural-conversion/CroplandExtent_Process.pptx
+++ b/natural-conversion/CroplandExtent_Process.pptx
@@ -259,7 +259,7 @@
           <a:p>
             <a:fld id="{F7300845-15B7-44B1-A59C-B38B71FF328D}" type="datetimeFigureOut">
               <a:rPr lang="en-US" smtClean="0"/>
-              <a:t>3/3/2022</a:t>
+              <a:t>3/10/2022</a:t>
             </a:fld>
             <a:endParaRPr lang="en-US"/>
           </a:p>
@@ -457,7 +457,7 @@
           <a:p>
             <a:fld id="{F7300845-15B7-44B1-A59C-B38B71FF328D}" type="datetimeFigureOut">
               <a:rPr lang="en-US" smtClean="0"/>
-              <a:t>3/3/2022</a:t>
+              <a:t>3/10/2022</a:t>
             </a:fld>
             <a:endParaRPr lang="en-US"/>
           </a:p>
@@ -665,7 +665,7 @@
           <a:p>
             <a:fld id="{F7300845-15B7-44B1-A59C-B38B71FF328D}" type="datetimeFigureOut">
               <a:rPr lang="en-US" smtClean="0"/>
-              <a:t>3/3/2022</a:t>
+              <a:t>3/10/2022</a:t>
             </a:fld>
             <a:endParaRPr lang="en-US"/>
           </a:p>
@@ -863,7 +863,7 @@
           <a:p>
             <a:fld id="{F7300845-15B7-44B1-A59C-B38B71FF328D}" type="datetimeFigureOut">
               <a:rPr lang="en-US" smtClean="0"/>
-              <a:t>3/3/2022</a:t>
+              <a:t>3/10/2022</a:t>
             </a:fld>
             <a:endParaRPr lang="en-US"/>
           </a:p>
@@ -1138,7 +1138,7 @@
           <a:p>
             <a:fld id="{F7300845-15B7-44B1-A59C-B38B71FF328D}" type="datetimeFigureOut">
               <a:rPr lang="en-US" smtClean="0"/>
-              <a:t>3/3/2022</a:t>
+              <a:t>3/10/2022</a:t>
             </a:fld>
             <a:endParaRPr lang="en-US"/>
           </a:p>
@@ -1403,7 +1403,7 @@
           <a:p>
             <a:fld id="{F7300845-15B7-44B1-A59C-B38B71FF328D}" type="datetimeFigureOut">
               <a:rPr lang="en-US" smtClean="0"/>
-              <a:t>3/3/2022</a:t>
+              <a:t>3/10/2022</a:t>
             </a:fld>
             <a:endParaRPr lang="en-US"/>
           </a:p>
@@ -1815,7 +1815,7 @@
           <a:p>
             <a:fld id="{F7300845-15B7-44B1-A59C-B38B71FF328D}" type="datetimeFigureOut">
               <a:rPr lang="en-US" smtClean="0"/>
-              <a:t>3/3/2022</a:t>
+              <a:t>3/10/2022</a:t>
             </a:fld>
             <a:endParaRPr lang="en-US"/>
           </a:p>
@@ -1956,7 +1956,7 @@
           <a:p>
             <a:fld id="{F7300845-15B7-44B1-A59C-B38B71FF328D}" type="datetimeFigureOut">
               <a:rPr lang="en-US" smtClean="0"/>
-              <a:t>3/3/2022</a:t>
+              <a:t>3/10/2022</a:t>
             </a:fld>
             <a:endParaRPr lang="en-US"/>
           </a:p>
@@ -2069,7 +2069,7 @@
           <a:p>
             <a:fld id="{F7300845-15B7-44B1-A59C-B38B71FF328D}" type="datetimeFigureOut">
               <a:rPr lang="en-US" smtClean="0"/>
-              <a:t>3/3/2022</a:t>
+              <a:t>3/10/2022</a:t>
             </a:fld>
             <a:endParaRPr lang="en-US"/>
           </a:p>
@@ -2380,7 +2380,7 @@
           <a:p>
             <a:fld id="{F7300845-15B7-44B1-A59C-B38B71FF328D}" type="datetimeFigureOut">
               <a:rPr lang="en-US" smtClean="0"/>
-              <a:t>3/3/2022</a:t>
+              <a:t>3/10/2022</a:t>
             </a:fld>
             <a:endParaRPr lang="en-US"/>
           </a:p>
@@ -2668,7 +2668,7 @@
           <a:p>
             <a:fld id="{F7300845-15B7-44B1-A59C-B38B71FF328D}" type="datetimeFigureOut">
               <a:rPr lang="en-US" smtClean="0"/>
-              <a:t>3/3/2022</a:t>
+              <a:t>3/10/2022</a:t>
             </a:fld>
             <a:endParaRPr lang="en-US"/>
           </a:p>
@@ -2909,7 +2909,7 @@
           <a:p>
             <a:fld id="{F7300845-15B7-44B1-A59C-B38B71FF328D}" type="datetimeFigureOut">
               <a:rPr lang="en-US" smtClean="0"/>
-              <a:t>3/3/2022</a:t>
+              <a:t>3/10/2022</a:t>
             </a:fld>
             <a:endParaRPr lang="en-US"/>
           </a:p>
@@ -3419,7 +3419,7 @@
             <a:pPr algn="ctr"/>
             <a:r>
               <a:rPr lang="en-US" dirty="0"/>
-              <a:t>Intermediate version of conversion layer (2000-2019)</a:t>
+              <a:t>Intermediate version of conversion layer (2011-2019)</a:t>
             </a:r>
           </a:p>
           <a:p>
@@ -3504,7 +3504,7 @@
             <a:pPr algn="ctr"/>
             <a:r>
               <a:rPr lang="en-US" sz="1600" dirty="0"/>
-              <a:t>(2000-2003)</a:t>
+              <a:t>(2008-2011)</a:t>
             </a:r>
           </a:p>
         </p:txBody>
@@ -3560,7 +3560,7 @@
             <a:pPr algn="ctr"/>
             <a:r>
               <a:rPr lang="en-US" sz="1600" dirty="0"/>
-              <a:t>(2000-2003, 30 m, </a:t>
+              <a:t>(2008-2011, 30 m, </a:t>
             </a:r>
             <a:r>
               <a:rPr lang="en-US" sz="1600" dirty="0" err="1"/>
@@ -3727,7 +3727,7 @@
             <a:pPr algn="ctr"/>
             <a:r>
               <a:rPr lang="en-US" sz="1600" dirty="0"/>
-              <a:t>(2000, 300 m, 22 classes)</a:t>
+              <a:t>(2011, 300 m, 22 classes)</a:t>
             </a:r>
           </a:p>
         </p:txBody>
@@ -4395,8 +4395,12 @@
           <a:p>
             <a:pPr algn="ctr"/>
             <a:r>
+              <a:rPr lang="en-US" sz="1600"/>
+              <a:t>(2011-2019</a:t>
+            </a:r>
+            <a:r>
               <a:rPr lang="en-US" sz="1600" dirty="0"/>
-              <a:t>(2000-2019, 300 m)</a:t>
+              <a:t>, 300 m)</a:t>
             </a:r>
           </a:p>
           <a:p>
